--- a/サイクリング.pptx
+++ b/サイクリング.pptx
@@ -4,14 +4,22 @@
   <p:sldMasterIdLst>
     <p:sldMasterId id="2147483648" r:id="rId1"/>
   </p:sldMasterIdLst>
+  <p:notesMasterIdLst>
+    <p:notesMasterId r:id="rId14"/>
+  </p:notesMasterIdLst>
   <p:sldIdLst>
-    <p:sldId id="264" r:id="rId2"/>
-    <p:sldId id="265" r:id="rId3"/>
-    <p:sldId id="259" r:id="rId4"/>
-    <p:sldId id="260" r:id="rId5"/>
-    <p:sldId id="261" r:id="rId6"/>
-    <p:sldId id="262" r:id="rId7"/>
-    <p:sldId id="263" r:id="rId8"/>
+    <p:sldId id="266" r:id="rId2"/>
+    <p:sldId id="267" r:id="rId3"/>
+    <p:sldId id="268" r:id="rId4"/>
+    <p:sldId id="259" r:id="rId5"/>
+    <p:sldId id="260" r:id="rId6"/>
+    <p:sldId id="269" r:id="rId7"/>
+    <p:sldId id="261" r:id="rId8"/>
+    <p:sldId id="262" r:id="rId9"/>
+    <p:sldId id="263" r:id="rId10"/>
+    <p:sldId id="272" r:id="rId11"/>
+    <p:sldId id="270" r:id="rId12"/>
+    <p:sldId id="273" r:id="rId13"/>
   </p:sldIdLst>
   <p:sldSz cx="12192000" cy="6858000"/>
   <p:notesSz cx="6858000" cy="9144000"/>
@@ -121,13 +129,391 @@
 <file path=ppt/commentAuthors.xml><?xml version="1.0" encoding="utf-8"?>
 <p:cmAuthorLst xmlns:a="http://schemas.openxmlformats.org/drawingml/2006/main" xmlns:r="http://schemas.openxmlformats.org/officeDocument/2006/relationships" xmlns:p="http://schemas.openxmlformats.org/presentationml/2006/main">
   <p:cmAuthor id="1" name="hokurikupc" initials="h" lastIdx="1" clrIdx="0">
+    <p:extLst/>
+  </p:cmAuthor>
+</p:cmAuthorLst>
+</file>
+
+<file path=ppt/notesMasters/notesMaster1.xml><?xml version="1.0" encoding="utf-8"?>
+<p:notesMaster xmlns:a="http://schemas.openxmlformats.org/drawingml/2006/main" xmlns:r="http://schemas.openxmlformats.org/officeDocument/2006/relationships" xmlns:p="http://schemas.openxmlformats.org/presentationml/2006/main">
+  <p:cSld>
+    <p:bg>
+      <p:bgRef idx="1001">
+        <a:schemeClr val="bg1"/>
+      </p:bgRef>
+    </p:bg>
+    <p:spTree>
+      <p:nvGrpSpPr>
+        <p:cNvPr id="1" name=""/>
+        <p:cNvGrpSpPr/>
+        <p:nvPr/>
+      </p:nvGrpSpPr>
+      <p:grpSpPr>
+        <a:xfrm>
+          <a:off x="0" y="0"/>
+          <a:ext cx="0" cy="0"/>
+          <a:chOff x="0" y="0"/>
+          <a:chExt cx="0" cy="0"/>
+        </a:xfrm>
+      </p:grpSpPr>
+      <p:sp>
+        <p:nvSpPr>
+          <p:cNvPr id="2" name="ヘッダー プレースホルダー 1"/>
+          <p:cNvSpPr>
+            <a:spLocks noGrp="1"/>
+          </p:cNvSpPr>
+          <p:nvPr>
+            <p:ph type="hdr" sz="quarter"/>
+          </p:nvPr>
+        </p:nvSpPr>
+        <p:spPr>
+          <a:xfrm>
+            <a:off x="0" y="0"/>
+            <a:ext cx="2971800" cy="458788"/>
+          </a:xfrm>
+          <a:prstGeom prst="rect">
+            <a:avLst/>
+          </a:prstGeom>
+        </p:spPr>
+        <p:txBody>
+          <a:bodyPr vert="horz" lIns="91440" tIns="45720" rIns="91440" bIns="45720" rtlCol="0"/>
+          <a:lstStyle>
+            <a:lvl1pPr algn="l">
+              <a:defRPr sz="1200"/>
+            </a:lvl1pPr>
+          </a:lstStyle>
+          <a:p>
+            <a:endParaRPr kumimoji="1" lang="ja-JP" altLang="en-US"/>
+          </a:p>
+        </p:txBody>
+      </p:sp>
+      <p:sp>
+        <p:nvSpPr>
+          <p:cNvPr id="3" name="日付プレースホルダー 2"/>
+          <p:cNvSpPr>
+            <a:spLocks noGrp="1"/>
+          </p:cNvSpPr>
+          <p:nvPr>
+            <p:ph type="dt" idx="1"/>
+          </p:nvPr>
+        </p:nvSpPr>
+        <p:spPr>
+          <a:xfrm>
+            <a:off x="3884613" y="0"/>
+            <a:ext cx="2971800" cy="458788"/>
+          </a:xfrm>
+          <a:prstGeom prst="rect">
+            <a:avLst/>
+          </a:prstGeom>
+        </p:spPr>
+        <p:txBody>
+          <a:bodyPr vert="horz" lIns="91440" tIns="45720" rIns="91440" bIns="45720" rtlCol="0"/>
+          <a:lstStyle>
+            <a:lvl1pPr algn="r">
+              <a:defRPr sz="1200"/>
+            </a:lvl1pPr>
+          </a:lstStyle>
+          <a:p>
+            <a:fld id="{872CE6FE-1A15-A249-8D3E-704BD948561F}" type="datetimeFigureOut">
+              <a:rPr kumimoji="1" lang="ja-JP" altLang="en-US" smtClean="0"/>
+              <a:t>2017/8/6</a:t>
+            </a:fld>
+            <a:endParaRPr kumimoji="1" lang="ja-JP" altLang="en-US"/>
+          </a:p>
+        </p:txBody>
+      </p:sp>
+      <p:sp>
+        <p:nvSpPr>
+          <p:cNvPr id="4" name="スライド イメージ プレースホルダー 3"/>
+          <p:cNvSpPr>
+            <a:spLocks noGrp="1" noRot="1" noChangeAspect="1"/>
+          </p:cNvSpPr>
+          <p:nvPr>
+            <p:ph type="sldImg" idx="2"/>
+          </p:nvPr>
+        </p:nvSpPr>
+        <p:spPr>
+          <a:xfrm>
+            <a:off x="685800" y="1143000"/>
+            <a:ext cx="5486400" cy="3086100"/>
+          </a:xfrm>
+          <a:prstGeom prst="rect">
+            <a:avLst/>
+          </a:prstGeom>
+          <a:noFill/>
+          <a:ln w="12700">
+            <a:solidFill>
+              <a:prstClr val="black"/>
+            </a:solidFill>
+          </a:ln>
+        </p:spPr>
+        <p:txBody>
+          <a:bodyPr vert="horz" lIns="91440" tIns="45720" rIns="91440" bIns="45720" rtlCol="0" anchor="ctr"/>
+          <a:lstStyle/>
+          <a:p>
+            <a:endParaRPr lang="ja-JP" altLang="en-US"/>
+          </a:p>
+        </p:txBody>
+      </p:sp>
+      <p:sp>
+        <p:nvSpPr>
+          <p:cNvPr id="5" name="ノート プレースホルダー 4"/>
+          <p:cNvSpPr>
+            <a:spLocks noGrp="1"/>
+          </p:cNvSpPr>
+          <p:nvPr>
+            <p:ph type="body" sz="quarter" idx="3"/>
+          </p:nvPr>
+        </p:nvSpPr>
+        <p:spPr>
+          <a:xfrm>
+            <a:off x="685800" y="4400550"/>
+            <a:ext cx="5486400" cy="3600450"/>
+          </a:xfrm>
+          <a:prstGeom prst="rect">
+            <a:avLst/>
+          </a:prstGeom>
+        </p:spPr>
+        <p:txBody>
+          <a:bodyPr vert="horz" lIns="91440" tIns="45720" rIns="91440" bIns="45720" rtlCol="0"/>
+          <a:lstStyle/>
+          <a:p>
+            <a:pPr lvl="0"/>
+            <a:r>
+              <a:rPr kumimoji="1" lang="ja-JP" altLang="en-US" smtClean="0"/>
+              <a:t>マスター テキストの書式設定</a:t>
+            </a:r>
+          </a:p>
+          <a:p>
+            <a:pPr lvl="1"/>
+            <a:r>
+              <a:rPr kumimoji="1" lang="ja-JP" altLang="en-US" smtClean="0"/>
+              <a:t>第 </a:t>
+            </a:r>
+            <a:r>
+              <a:rPr kumimoji="1" lang="en-US" altLang="ja-JP" smtClean="0"/>
+              <a:t>2 </a:t>
+            </a:r>
+            <a:r>
+              <a:rPr kumimoji="1" lang="ja-JP" altLang="en-US" smtClean="0"/>
+              <a:t>レベル</a:t>
+            </a:r>
+          </a:p>
+          <a:p>
+            <a:pPr lvl="2"/>
+            <a:r>
+              <a:rPr kumimoji="1" lang="ja-JP" altLang="en-US" smtClean="0"/>
+              <a:t>第 </a:t>
+            </a:r>
+            <a:r>
+              <a:rPr kumimoji="1" lang="en-US" altLang="ja-JP" smtClean="0"/>
+              <a:t>3 </a:t>
+            </a:r>
+            <a:r>
+              <a:rPr kumimoji="1" lang="ja-JP" altLang="en-US" smtClean="0"/>
+              <a:t>レベル</a:t>
+            </a:r>
+          </a:p>
+          <a:p>
+            <a:pPr lvl="3"/>
+            <a:r>
+              <a:rPr kumimoji="1" lang="ja-JP" altLang="en-US" smtClean="0"/>
+              <a:t>第 </a:t>
+            </a:r>
+            <a:r>
+              <a:rPr kumimoji="1" lang="en-US" altLang="ja-JP" smtClean="0"/>
+              <a:t>4 </a:t>
+            </a:r>
+            <a:r>
+              <a:rPr kumimoji="1" lang="ja-JP" altLang="en-US" smtClean="0"/>
+              <a:t>レベル</a:t>
+            </a:r>
+          </a:p>
+          <a:p>
+            <a:pPr lvl="4"/>
+            <a:r>
+              <a:rPr kumimoji="1" lang="ja-JP" altLang="en-US" smtClean="0"/>
+              <a:t>第 </a:t>
+            </a:r>
+            <a:r>
+              <a:rPr kumimoji="1" lang="en-US" altLang="ja-JP" smtClean="0"/>
+              <a:t>5 </a:t>
+            </a:r>
+            <a:r>
+              <a:rPr kumimoji="1" lang="ja-JP" altLang="en-US" smtClean="0"/>
+              <a:t>レベル</a:t>
+            </a:r>
+            <a:endParaRPr kumimoji="1" lang="ja-JP" altLang="en-US"/>
+          </a:p>
+        </p:txBody>
+      </p:sp>
+      <p:sp>
+        <p:nvSpPr>
+          <p:cNvPr id="6" name="フッター プレースホルダー 5"/>
+          <p:cNvSpPr>
+            <a:spLocks noGrp="1"/>
+          </p:cNvSpPr>
+          <p:nvPr>
+            <p:ph type="ftr" sz="quarter" idx="4"/>
+          </p:nvPr>
+        </p:nvSpPr>
+        <p:spPr>
+          <a:xfrm>
+            <a:off x="0" y="8685213"/>
+            <a:ext cx="2971800" cy="458787"/>
+          </a:xfrm>
+          <a:prstGeom prst="rect">
+            <a:avLst/>
+          </a:prstGeom>
+        </p:spPr>
+        <p:txBody>
+          <a:bodyPr vert="horz" lIns="91440" tIns="45720" rIns="91440" bIns="45720" rtlCol="0" anchor="b"/>
+          <a:lstStyle>
+            <a:lvl1pPr algn="l">
+              <a:defRPr sz="1200"/>
+            </a:lvl1pPr>
+          </a:lstStyle>
+          <a:p>
+            <a:endParaRPr kumimoji="1" lang="ja-JP" altLang="en-US"/>
+          </a:p>
+        </p:txBody>
+      </p:sp>
+      <p:sp>
+        <p:nvSpPr>
+          <p:cNvPr id="7" name="スライド番号プレースホルダー 6"/>
+          <p:cNvSpPr>
+            <a:spLocks noGrp="1"/>
+          </p:cNvSpPr>
+          <p:nvPr>
+            <p:ph type="sldNum" sz="quarter" idx="5"/>
+          </p:nvPr>
+        </p:nvSpPr>
+        <p:spPr>
+          <a:xfrm>
+            <a:off x="3884613" y="8685213"/>
+            <a:ext cx="2971800" cy="458787"/>
+          </a:xfrm>
+          <a:prstGeom prst="rect">
+            <a:avLst/>
+          </a:prstGeom>
+        </p:spPr>
+        <p:txBody>
+          <a:bodyPr vert="horz" lIns="91440" tIns="45720" rIns="91440" bIns="45720" rtlCol="0" anchor="b"/>
+          <a:lstStyle>
+            <a:lvl1pPr algn="r">
+              <a:defRPr sz="1200"/>
+            </a:lvl1pPr>
+          </a:lstStyle>
+          <a:p>
+            <a:fld id="{7C215C33-AD28-D44D-A3C5-B0BA7948106E}" type="slidenum">
+              <a:rPr kumimoji="1" lang="ja-JP" altLang="en-US" smtClean="0"/>
+              <a:t>‹#›</a:t>
+            </a:fld>
+            <a:endParaRPr kumimoji="1" lang="ja-JP" altLang="en-US"/>
+          </a:p>
+        </p:txBody>
+      </p:sp>
+    </p:spTree>
     <p:extLst>
-      <p:ext uri="{19B8F6BF-5375-455C-9EA6-DF929625EA0E}">
-        <p15:presenceInfo xmlns:p15="http://schemas.microsoft.com/office/powerpoint/2012/main" userId="hokurikupc" providerId="None"/>
+      <p:ext uri="{BB962C8B-B14F-4D97-AF65-F5344CB8AC3E}">
+        <p14:creationId xmlns:p14="http://schemas.microsoft.com/office/powerpoint/2010/main" val="461123445"/>
       </p:ext>
     </p:extLst>
-  </p:cmAuthor>
-</p:cmAuthorLst>
+  </p:cSld>
+  <p:clrMap bg1="lt1" tx1="dk1" bg2="lt2" tx2="dk2" accent1="accent1" accent2="accent2" accent3="accent3" accent4="accent4" accent5="accent5" accent6="accent6" hlink="hlink" folHlink="folHlink"/>
+  <p:notesStyle>
+    <a:lvl1pPr marL="0" algn="l" defTabSz="914400" rtl="0" eaLnBrk="1" latinLnBrk="0" hangingPunct="1">
+      <a:defRPr kumimoji="1" sz="1200" kern="1200">
+        <a:solidFill>
+          <a:schemeClr val="tx1"/>
+        </a:solidFill>
+        <a:latin typeface="+mn-lt"/>
+        <a:ea typeface="+mn-ea"/>
+        <a:cs typeface="+mn-cs"/>
+      </a:defRPr>
+    </a:lvl1pPr>
+    <a:lvl2pPr marL="457200" algn="l" defTabSz="914400" rtl="0" eaLnBrk="1" latinLnBrk="0" hangingPunct="1">
+      <a:defRPr kumimoji="1" sz="1200" kern="1200">
+        <a:solidFill>
+          <a:schemeClr val="tx1"/>
+        </a:solidFill>
+        <a:latin typeface="+mn-lt"/>
+        <a:ea typeface="+mn-ea"/>
+        <a:cs typeface="+mn-cs"/>
+      </a:defRPr>
+    </a:lvl2pPr>
+    <a:lvl3pPr marL="914400" algn="l" defTabSz="914400" rtl="0" eaLnBrk="1" latinLnBrk="0" hangingPunct="1">
+      <a:defRPr kumimoji="1" sz="1200" kern="1200">
+        <a:solidFill>
+          <a:schemeClr val="tx1"/>
+        </a:solidFill>
+        <a:latin typeface="+mn-lt"/>
+        <a:ea typeface="+mn-ea"/>
+        <a:cs typeface="+mn-cs"/>
+      </a:defRPr>
+    </a:lvl3pPr>
+    <a:lvl4pPr marL="1371600" algn="l" defTabSz="914400" rtl="0" eaLnBrk="1" latinLnBrk="0" hangingPunct="1">
+      <a:defRPr kumimoji="1" sz="1200" kern="1200">
+        <a:solidFill>
+          <a:schemeClr val="tx1"/>
+        </a:solidFill>
+        <a:latin typeface="+mn-lt"/>
+        <a:ea typeface="+mn-ea"/>
+        <a:cs typeface="+mn-cs"/>
+      </a:defRPr>
+    </a:lvl4pPr>
+    <a:lvl5pPr marL="1828800" algn="l" defTabSz="914400" rtl="0" eaLnBrk="1" latinLnBrk="0" hangingPunct="1">
+      <a:defRPr kumimoji="1" sz="1200" kern="1200">
+        <a:solidFill>
+          <a:schemeClr val="tx1"/>
+        </a:solidFill>
+        <a:latin typeface="+mn-lt"/>
+        <a:ea typeface="+mn-ea"/>
+        <a:cs typeface="+mn-cs"/>
+      </a:defRPr>
+    </a:lvl5pPr>
+    <a:lvl6pPr marL="2286000" algn="l" defTabSz="914400" rtl="0" eaLnBrk="1" latinLnBrk="0" hangingPunct="1">
+      <a:defRPr kumimoji="1" sz="1200" kern="1200">
+        <a:solidFill>
+          <a:schemeClr val="tx1"/>
+        </a:solidFill>
+        <a:latin typeface="+mn-lt"/>
+        <a:ea typeface="+mn-ea"/>
+        <a:cs typeface="+mn-cs"/>
+      </a:defRPr>
+    </a:lvl6pPr>
+    <a:lvl7pPr marL="2743200" algn="l" defTabSz="914400" rtl="0" eaLnBrk="1" latinLnBrk="0" hangingPunct="1">
+      <a:defRPr kumimoji="1" sz="1200" kern="1200">
+        <a:solidFill>
+          <a:schemeClr val="tx1"/>
+        </a:solidFill>
+        <a:latin typeface="+mn-lt"/>
+        <a:ea typeface="+mn-ea"/>
+        <a:cs typeface="+mn-cs"/>
+      </a:defRPr>
+    </a:lvl7pPr>
+    <a:lvl8pPr marL="3200400" algn="l" defTabSz="914400" rtl="0" eaLnBrk="1" latinLnBrk="0" hangingPunct="1">
+      <a:defRPr kumimoji="1" sz="1200" kern="1200">
+        <a:solidFill>
+          <a:schemeClr val="tx1"/>
+        </a:solidFill>
+        <a:latin typeface="+mn-lt"/>
+        <a:ea typeface="+mn-ea"/>
+        <a:cs typeface="+mn-cs"/>
+      </a:defRPr>
+    </a:lvl8pPr>
+    <a:lvl9pPr marL="3657600" algn="l" defTabSz="914400" rtl="0" eaLnBrk="1" latinLnBrk="0" hangingPunct="1">
+      <a:defRPr kumimoji="1" sz="1200" kern="1200">
+        <a:solidFill>
+          <a:schemeClr val="tx1"/>
+        </a:solidFill>
+        <a:latin typeface="+mn-lt"/>
+        <a:ea typeface="+mn-ea"/>
+        <a:cs typeface="+mn-cs"/>
+      </a:defRPr>
+    </a:lvl9pPr>
+  </p:notesStyle>
+</p:notesMaster>
 </file>
 
 <file path=ppt/slideLayouts/slideLayout1.xml><?xml version="1.0" encoding="utf-8"?>
@@ -3277,12 +3663,12 @@
       </p:grpSpPr>
       <p:sp>
         <p:nvSpPr>
-          <p:cNvPr id="2" name="タイトル 1"/>
-          <p:cNvSpPr>
-            <a:spLocks noGrp="1"/>
-          </p:cNvSpPr>
-          <p:nvPr>
-            <p:ph type="title"/>
+          <p:cNvPr id="4" name="タイトル 3"/>
+          <p:cNvSpPr>
+            <a:spLocks noGrp="1"/>
+          </p:cNvSpPr>
+          <p:nvPr>
+            <p:ph type="ctrTitle"/>
           </p:nvPr>
         </p:nvSpPr>
         <p:spPr/>
@@ -3290,30 +3676,66 @@
           <a:bodyPr/>
           <a:lstStyle/>
           <a:p>
-            <a:pPr algn="ctr"/>
+            <a:r>
+              <a:rPr kumimoji="1" lang="ja-JP" altLang="en-US" dirty="0" smtClean="0"/>
+              <a:t>自転車雨避け</a:t>
+            </a:r>
+            <a:r>
+              <a:rPr kumimoji="1" lang="en-US" altLang="ja-JP" dirty="0" smtClean="0"/>
+              <a:t>APP</a:t>
+            </a:r>
+            <a:endParaRPr kumimoji="1" lang="ja-JP" altLang="en-US" dirty="0"/>
+          </a:p>
+        </p:txBody>
+      </p:sp>
+      <p:sp>
+        <p:nvSpPr>
+          <p:cNvPr id="5" name="サブタイトル 4"/>
+          <p:cNvSpPr>
+            <a:spLocks noGrp="1"/>
+          </p:cNvSpPr>
+          <p:nvPr>
+            <p:ph type="subTitle" idx="1"/>
+          </p:nvPr>
+        </p:nvSpPr>
+        <p:spPr/>
+        <p:txBody>
+          <a:bodyPr>
+            <a:normAutofit/>
+          </a:bodyPr>
+          <a:lstStyle/>
+          <a:p>
+            <a:r>
+              <a:rPr kumimoji="1" lang="ja-JP" altLang="en-US" dirty="0" smtClean="0"/>
+              <a:t>魚津自転車チーム</a:t>
+            </a:r>
+            <a:endParaRPr kumimoji="1" lang="en-US" altLang="ja-JP" dirty="0" smtClean="0"/>
+          </a:p>
+          <a:p>
             <a:r>
               <a:rPr lang="ja-JP" altLang="en-US" dirty="0" smtClean="0"/>
-              <a:t>自転車チーム</a:t>
-            </a:r>
-            <a:endParaRPr kumimoji="1" lang="ja-JP" altLang="en-US" dirty="0"/>
-          </a:p>
-        </p:txBody>
-      </p:sp>
-      <p:sp>
-        <p:nvSpPr>
-          <p:cNvPr id="3" name="コンテンツ プレースホルダー 2"/>
-          <p:cNvSpPr>
-            <a:spLocks noGrp="1"/>
-          </p:cNvSpPr>
-          <p:nvPr>
-            <p:ph idx="1"/>
-          </p:nvPr>
-        </p:nvSpPr>
-        <p:spPr/>
-        <p:txBody>
-          <a:bodyPr/>
-          <a:lstStyle/>
-          <a:p>
+              <a:t>東出賢一</a:t>
+            </a:r>
+            <a:r>
+              <a:rPr lang="en-US" altLang="ja-JP" dirty="0" smtClean="0"/>
+              <a:t>, </a:t>
+            </a:r>
+            <a:r>
+              <a:rPr kumimoji="1" lang="ja-JP" altLang="en-US" dirty="0" smtClean="0"/>
+              <a:t>岡本武瑠</a:t>
+            </a:r>
+            <a:r>
+              <a:rPr kumimoji="1" lang="en-US" altLang="ja-JP" dirty="0" smtClean="0"/>
+              <a:t>, </a:t>
+            </a:r>
+            <a:r>
+              <a:rPr kumimoji="1" lang="ja-JP" altLang="en-US" dirty="0" smtClean="0"/>
+              <a:t>小原</a:t>
+            </a:r>
+            <a:r>
+              <a:rPr lang="ja-JP" altLang="en-US" dirty="0"/>
+              <a:t>彬朗</a:t>
+            </a:r>
             <a:endParaRPr kumimoji="1" lang="ja-JP" altLang="en-US" dirty="0"/>
           </a:p>
         </p:txBody>
@@ -3321,7 +3743,350 @@
     </p:spTree>
     <p:extLst>
       <p:ext uri="{BB962C8B-B14F-4D97-AF65-F5344CB8AC3E}">
-        <p14:creationId xmlns:p14="http://schemas.microsoft.com/office/powerpoint/2010/main" val="560878581"/>
+        <p14:creationId xmlns:p14="http://schemas.microsoft.com/office/powerpoint/2010/main" val="1347122981"/>
+      </p:ext>
+    </p:extLst>
+  </p:cSld>
+  <p:clrMapOvr>
+    <a:masterClrMapping/>
+  </p:clrMapOvr>
+  <p:timing>
+    <p:tnLst>
+      <p:par>
+        <p:cTn id="1" dur="indefinite" restart="never" nodeType="tmRoot"/>
+      </p:par>
+    </p:tnLst>
+  </p:timing>
+</p:sld>
+</file>
+
+<file path=ppt/slides/slide10.xml><?xml version="1.0" encoding="utf-8"?>
+<p:sld xmlns:a="http://schemas.openxmlformats.org/drawingml/2006/main" xmlns:r="http://schemas.openxmlformats.org/officeDocument/2006/relationships" xmlns:p="http://schemas.openxmlformats.org/presentationml/2006/main">
+  <p:cSld>
+    <p:spTree>
+      <p:nvGrpSpPr>
+        <p:cNvPr id="1" name=""/>
+        <p:cNvGrpSpPr/>
+        <p:nvPr/>
+      </p:nvGrpSpPr>
+      <p:grpSpPr>
+        <a:xfrm>
+          <a:off x="0" y="0"/>
+          <a:ext cx="0" cy="0"/>
+          <a:chOff x="0" y="0"/>
+          <a:chExt cx="0" cy="0"/>
+        </a:xfrm>
+      </p:grpSpPr>
+      <p:sp>
+        <p:nvSpPr>
+          <p:cNvPr id="2" name="タイトル 1"/>
+          <p:cNvSpPr>
+            <a:spLocks noGrp="1"/>
+          </p:cNvSpPr>
+          <p:nvPr>
+            <p:ph type="title"/>
+          </p:nvPr>
+        </p:nvSpPr>
+        <p:spPr/>
+        <p:txBody>
+          <a:bodyPr/>
+          <a:lstStyle/>
+          <a:p>
+            <a:r>
+              <a:rPr kumimoji="1" lang="ja-JP" altLang="en-US" dirty="0" smtClean="0"/>
+              <a:t>しくみ</a:t>
+            </a:r>
+            <a:endParaRPr kumimoji="1" lang="ja-JP" altLang="en-US" dirty="0"/>
+          </a:p>
+        </p:txBody>
+      </p:sp>
+      <p:sp>
+        <p:nvSpPr>
+          <p:cNvPr id="3" name="コンテンツ プレースホルダー 2"/>
+          <p:cNvSpPr>
+            <a:spLocks noGrp="1"/>
+          </p:cNvSpPr>
+          <p:nvPr>
+            <p:ph idx="1"/>
+          </p:nvPr>
+        </p:nvSpPr>
+        <p:spPr/>
+        <p:txBody>
+          <a:bodyPr/>
+          <a:lstStyle/>
+          <a:p>
+            <a:r>
+              <a:rPr kumimoji="1" lang="ja-JP" altLang="en-US" dirty="0" smtClean="0"/>
+              <a:t>あらかじめ自宅の位置を登録しておきます</a:t>
+            </a:r>
+            <a:endParaRPr kumimoji="1" lang="en-US" altLang="ja-JP" dirty="0" smtClean="0"/>
+          </a:p>
+          <a:p>
+            <a:r>
+              <a:rPr kumimoji="1" lang="ja-JP" altLang="en-US" dirty="0" smtClean="0"/>
+              <a:t>現在位置と自宅の間のルート上の、今後の降雨予想をオープンデータから得ます</a:t>
+            </a:r>
+            <a:endParaRPr kumimoji="1" lang="en-US" altLang="ja-JP" dirty="0" smtClean="0"/>
+          </a:p>
+          <a:p>
+            <a:r>
+              <a:rPr lang="ja-JP" altLang="en-US" dirty="0" smtClean="0"/>
+              <a:t>○分後に雨が降り始めると予想され、</a:t>
+            </a:r>
+            <a:endParaRPr lang="en-US" altLang="ja-JP" dirty="0" smtClean="0"/>
+          </a:p>
+          <a:p>
+            <a:pPr lvl="1"/>
+            <a:r>
+              <a:rPr lang="ja-JP" altLang="en-US" dirty="0" smtClean="0"/>
+              <a:t>降り始めるまでに自宅まで自転車で帰宅可能なら、早く帰るよう促します</a:t>
+            </a:r>
+            <a:endParaRPr lang="en-US" altLang="ja-JP" dirty="0" smtClean="0"/>
+          </a:p>
+          <a:p>
+            <a:pPr lvl="1"/>
+            <a:r>
+              <a:rPr kumimoji="1" lang="ja-JP" altLang="en-US" dirty="0" smtClean="0"/>
+              <a:t>降り始めるまでに自宅まで自転車で帰宅できないなら、代替の交通手段を提案します</a:t>
+            </a:r>
+            <a:endParaRPr kumimoji="1" lang="en-US" altLang="ja-JP" dirty="0" smtClean="0"/>
+          </a:p>
+          <a:p>
+            <a:pPr lvl="2"/>
+            <a:r>
+              <a:rPr lang="ja-JP" altLang="en-US" dirty="0" smtClean="0"/>
+              <a:t>最寄りのバス停まで歩いて、バスに乗って帰る</a:t>
+            </a:r>
+            <a:endParaRPr lang="en-US" altLang="ja-JP" dirty="0" smtClean="0"/>
+          </a:p>
+          <a:p>
+            <a:pPr lvl="2"/>
+            <a:r>
+              <a:rPr kumimoji="1" lang="ja-JP" altLang="en-US" dirty="0" smtClean="0"/>
+              <a:t>最寄りの駅の駐輪場に自転車をとめて、電車で帰る</a:t>
+            </a:r>
+            <a:endParaRPr kumimoji="1" lang="en-US" altLang="ja-JP" dirty="0" smtClean="0"/>
+          </a:p>
+          <a:p>
+            <a:pPr lvl="2"/>
+            <a:r>
+              <a:rPr lang="ja-JP" altLang="en-US" dirty="0" smtClean="0"/>
+              <a:t>最寄りのサイクルトレインに自転車ごと乗って帰る</a:t>
+            </a:r>
+            <a:endParaRPr lang="en-US" altLang="ja-JP" dirty="0" smtClean="0"/>
+          </a:p>
+          <a:p>
+            <a:pPr lvl="2"/>
+            <a:r>
+              <a:rPr kumimoji="1" lang="ja-JP" altLang="en-US" dirty="0" smtClean="0"/>
+              <a:t>輪行できるなら、最寄りの駅から輪行で帰る</a:t>
+            </a:r>
+            <a:endParaRPr kumimoji="1" lang="ja-JP" altLang="en-US" dirty="0"/>
+          </a:p>
+        </p:txBody>
+      </p:sp>
+    </p:spTree>
+    <p:extLst>
+      <p:ext uri="{BB962C8B-B14F-4D97-AF65-F5344CB8AC3E}">
+        <p14:creationId xmlns:p14="http://schemas.microsoft.com/office/powerpoint/2010/main" val="2144733944"/>
+      </p:ext>
+    </p:extLst>
+  </p:cSld>
+  <p:clrMapOvr>
+    <a:masterClrMapping/>
+  </p:clrMapOvr>
+  <p:timing>
+    <p:tnLst>
+      <p:par>
+        <p:cTn id="1" dur="indefinite" restart="never" nodeType="tmRoot"/>
+      </p:par>
+    </p:tnLst>
+  </p:timing>
+</p:sld>
+</file>
+
+<file path=ppt/slides/slide11.xml><?xml version="1.0" encoding="utf-8"?>
+<p:sld xmlns:a="http://schemas.openxmlformats.org/drawingml/2006/main" xmlns:r="http://schemas.openxmlformats.org/officeDocument/2006/relationships" xmlns:p="http://schemas.openxmlformats.org/presentationml/2006/main">
+  <p:cSld>
+    <p:spTree>
+      <p:nvGrpSpPr>
+        <p:cNvPr id="1" name=""/>
+        <p:cNvGrpSpPr/>
+        <p:nvPr/>
+      </p:nvGrpSpPr>
+      <p:grpSpPr>
+        <a:xfrm>
+          <a:off x="0" y="0"/>
+          <a:ext cx="0" cy="0"/>
+          <a:chOff x="0" y="0"/>
+          <a:chExt cx="0" cy="0"/>
+        </a:xfrm>
+      </p:grpSpPr>
+      <p:sp>
+        <p:nvSpPr>
+          <p:cNvPr id="2" name="タイトル 1"/>
+          <p:cNvSpPr>
+            <a:spLocks noGrp="1"/>
+          </p:cNvSpPr>
+          <p:nvPr>
+            <p:ph type="title"/>
+          </p:nvPr>
+        </p:nvSpPr>
+        <p:spPr/>
+        <p:txBody>
+          <a:bodyPr/>
+          <a:lstStyle/>
+          <a:p>
+            <a:r>
+              <a:rPr kumimoji="1" lang="ja-JP" altLang="en-US" dirty="0" smtClean="0"/>
+              <a:t>使用するオープンデータ</a:t>
+            </a:r>
+            <a:endParaRPr kumimoji="1" lang="ja-JP" altLang="en-US" dirty="0"/>
+          </a:p>
+        </p:txBody>
+      </p:sp>
+      <p:sp>
+        <p:nvSpPr>
+          <p:cNvPr id="3" name="コンテンツ プレースホルダー 2"/>
+          <p:cNvSpPr>
+            <a:spLocks noGrp="1"/>
+          </p:cNvSpPr>
+          <p:nvPr>
+            <p:ph idx="1"/>
+          </p:nvPr>
+        </p:nvSpPr>
+        <p:spPr/>
+        <p:txBody>
+          <a:bodyPr/>
+          <a:lstStyle/>
+          <a:p>
+            <a:r>
+              <a:rPr lang="en-US" altLang="ja-JP" dirty="0" err="1" smtClean="0"/>
+              <a:t>OpenWeatherMap</a:t>
+            </a:r>
+            <a:endParaRPr lang="en-US" altLang="ja-JP" dirty="0" smtClean="0"/>
+          </a:p>
+          <a:p>
+            <a:pPr lvl="1"/>
+            <a:r>
+              <a:rPr lang="en-US" altLang="ja-JP" dirty="0" smtClean="0">
+                <a:hlinkClick r:id="rId2"/>
+              </a:rPr>
+              <a:t>https://openweathermap.org/</a:t>
+            </a:r>
+            <a:endParaRPr lang="en-US" altLang="ja-JP" dirty="0" smtClean="0"/>
+          </a:p>
+          <a:p>
+            <a:endParaRPr kumimoji="1" lang="en-US" altLang="ja-JP" dirty="0"/>
+          </a:p>
+          <a:p>
+            <a:r>
+              <a:rPr lang="ja-JP" altLang="en-US" dirty="0" smtClean="0"/>
+              <a:t>気象庁予報データ</a:t>
+            </a:r>
+            <a:endParaRPr lang="en-US" altLang="ja-JP" dirty="0" smtClean="0"/>
+          </a:p>
+          <a:p>
+            <a:pPr lvl="1"/>
+            <a:r>
+              <a:rPr lang="ja-JP" altLang="en-US" dirty="0"/>
+              <a:t>降水短時間予報</a:t>
+            </a:r>
+            <a:endParaRPr kumimoji="1" lang="en-US" altLang="ja-JP" dirty="0" smtClean="0"/>
+          </a:p>
+          <a:p>
+            <a:pPr lvl="1"/>
+            <a:r>
+              <a:rPr kumimoji="1" lang="ja-JP" altLang="en-US" dirty="0" smtClean="0"/>
+              <a:t>降雨ナウキャスト</a:t>
+            </a:r>
+            <a:endParaRPr kumimoji="1" lang="ja-JP" altLang="en-US" dirty="0"/>
+          </a:p>
+        </p:txBody>
+      </p:sp>
+    </p:spTree>
+    <p:extLst>
+      <p:ext uri="{BB962C8B-B14F-4D97-AF65-F5344CB8AC3E}">
+        <p14:creationId xmlns:p14="http://schemas.microsoft.com/office/powerpoint/2010/main" val="787330254"/>
+      </p:ext>
+    </p:extLst>
+  </p:cSld>
+  <p:clrMapOvr>
+    <a:masterClrMapping/>
+  </p:clrMapOvr>
+  <p:timing>
+    <p:tnLst>
+      <p:par>
+        <p:cTn id="1" dur="indefinite" restart="never" nodeType="tmRoot"/>
+      </p:par>
+    </p:tnLst>
+  </p:timing>
+</p:sld>
+</file>
+
+<file path=ppt/slides/slide12.xml><?xml version="1.0" encoding="utf-8"?>
+<p:sld xmlns:a="http://schemas.openxmlformats.org/drawingml/2006/main" xmlns:r="http://schemas.openxmlformats.org/officeDocument/2006/relationships" xmlns:p="http://schemas.openxmlformats.org/presentationml/2006/main">
+  <p:cSld>
+    <p:spTree>
+      <p:nvGrpSpPr>
+        <p:cNvPr id="1" name=""/>
+        <p:cNvGrpSpPr/>
+        <p:nvPr/>
+      </p:nvGrpSpPr>
+      <p:grpSpPr>
+        <a:xfrm>
+          <a:off x="0" y="0"/>
+          <a:ext cx="0" cy="0"/>
+          <a:chOff x="0" y="0"/>
+          <a:chExt cx="0" cy="0"/>
+        </a:xfrm>
+      </p:grpSpPr>
+      <p:sp>
+        <p:nvSpPr>
+          <p:cNvPr id="4" name="タイトル 3"/>
+          <p:cNvSpPr>
+            <a:spLocks noGrp="1"/>
+          </p:cNvSpPr>
+          <p:nvPr>
+            <p:ph type="title"/>
+          </p:nvPr>
+        </p:nvSpPr>
+        <p:spPr/>
+        <p:txBody>
+          <a:bodyPr/>
+          <a:lstStyle/>
+          <a:p>
+            <a:r>
+              <a:rPr kumimoji="1" lang="en-US" altLang="ja-JP" dirty="0" smtClean="0"/>
+              <a:t>DEMO</a:t>
+            </a:r>
+            <a:endParaRPr kumimoji="1" lang="ja-JP" altLang="en-US" dirty="0"/>
+          </a:p>
+        </p:txBody>
+      </p:sp>
+      <p:sp>
+        <p:nvSpPr>
+          <p:cNvPr id="5" name="テキスト プレースホルダー 4"/>
+          <p:cNvSpPr>
+            <a:spLocks noGrp="1"/>
+          </p:cNvSpPr>
+          <p:nvPr>
+            <p:ph type="body" idx="1"/>
+          </p:nvPr>
+        </p:nvSpPr>
+        <p:spPr/>
+        <p:txBody>
+          <a:bodyPr/>
+          <a:lstStyle/>
+          <a:p>
+            <a:endParaRPr kumimoji="1" lang="ja-JP" altLang="en-US"/>
+          </a:p>
+        </p:txBody>
+      </p:sp>
+    </p:spTree>
+    <p:extLst>
+      <p:ext uri="{BB962C8B-B14F-4D97-AF65-F5344CB8AC3E}">
+        <p14:creationId xmlns:p14="http://schemas.microsoft.com/office/powerpoint/2010/main" val="651535757"/>
       </p:ext>
     </p:extLst>
   </p:cSld>
@@ -3365,19 +4130,98 @@
             <p:ph type="title"/>
           </p:nvPr>
         </p:nvSpPr>
-        <p:spPr>
-          <a:xfrm>
-            <a:off x="1062791" y="1768850"/>
-            <a:ext cx="4423610" cy="1952958"/>
-          </a:xfrm>
-        </p:spPr>
+        <p:spPr/>
         <p:txBody>
           <a:bodyPr/>
           <a:lstStyle/>
           <a:p>
             <a:r>
               <a:rPr kumimoji="1" lang="ja-JP" altLang="en-US" dirty="0" smtClean="0"/>
-              <a:t>自転車は天候に左右されやすい。</a:t>
+              <a:t>背景</a:t>
+            </a:r>
+            <a:endParaRPr kumimoji="1" lang="ja-JP" altLang="en-US" dirty="0"/>
+          </a:p>
+        </p:txBody>
+      </p:sp>
+      <p:sp>
+        <p:nvSpPr>
+          <p:cNvPr id="3" name="コンテンツ プレースホルダー 2"/>
+          <p:cNvSpPr>
+            <a:spLocks noGrp="1"/>
+          </p:cNvSpPr>
+          <p:nvPr>
+            <p:ph idx="1"/>
+          </p:nvPr>
+        </p:nvSpPr>
+        <p:spPr/>
+        <p:txBody>
+          <a:bodyPr>
+            <a:normAutofit lnSpcReduction="10000"/>
+          </a:bodyPr>
+          <a:lstStyle/>
+          <a:p>
+            <a:r>
+              <a:rPr lang="ja-JP" altLang="en-US" dirty="0" smtClean="0"/>
+              <a:t>自転車に乗ることはメリットがいっぱい</a:t>
+            </a:r>
+            <a:endParaRPr lang="en-US" altLang="ja-JP" dirty="0" smtClean="0"/>
+          </a:p>
+          <a:p>
+            <a:pPr lvl="1"/>
+            <a:r>
+              <a:rPr kumimoji="1" lang="ja-JP" altLang="en-US" dirty="0" smtClean="0"/>
+              <a:t>健康にいい</a:t>
+            </a:r>
+            <a:endParaRPr kumimoji="1" lang="en-US" altLang="ja-JP" dirty="0" smtClean="0"/>
+          </a:p>
+          <a:p>
+            <a:pPr lvl="1"/>
+            <a:r>
+              <a:rPr lang="ja-JP" altLang="en-US" dirty="0" smtClean="0"/>
+              <a:t>環境にやさしい</a:t>
+            </a:r>
+            <a:endParaRPr lang="en-US" altLang="ja-JP" dirty="0" smtClean="0"/>
+          </a:p>
+          <a:p>
+            <a:pPr lvl="1"/>
+            <a:r>
+              <a:rPr kumimoji="1" lang="ja-JP" altLang="en-US" dirty="0" smtClean="0"/>
+              <a:t>経済的</a:t>
+            </a:r>
+            <a:endParaRPr kumimoji="1" lang="en-US" altLang="ja-JP" dirty="0" smtClean="0"/>
+          </a:p>
+          <a:p>
+            <a:pPr lvl="1"/>
+            <a:r>
+              <a:rPr lang="ja-JP" altLang="en-US" dirty="0" smtClean="0"/>
+              <a:t>楽しい</a:t>
+            </a:r>
+            <a:endParaRPr kumimoji="1" lang="en-US" altLang="ja-JP" dirty="0" smtClean="0"/>
+          </a:p>
+          <a:p>
+            <a:endParaRPr lang="en-US" altLang="ja-JP" dirty="0" smtClean="0"/>
+          </a:p>
+          <a:p>
+            <a:r>
+              <a:rPr lang="ja-JP" altLang="en-US" dirty="0" smtClean="0"/>
+              <a:t>通勤・通学で自転車に乗る</a:t>
+            </a:r>
+            <a:endParaRPr lang="en-US" altLang="ja-JP" dirty="0" smtClean="0"/>
+          </a:p>
+          <a:p>
+            <a:r>
+              <a:rPr lang="ja-JP" altLang="en-US" dirty="0" smtClean="0"/>
+              <a:t>休日にサイクリングに出かける</a:t>
+            </a:r>
+            <a:endParaRPr lang="en-US" altLang="ja-JP" dirty="0"/>
+          </a:p>
+          <a:p>
+            <a:endParaRPr lang="en-US" altLang="ja-JP" dirty="0"/>
+          </a:p>
+          <a:p>
+            <a:r>
+              <a:rPr kumimoji="1" lang="ja-JP" altLang="en-US" dirty="0" smtClean="0"/>
+              <a:t>自転車の最大の敵、それは雨</a:t>
             </a:r>
             <a:endParaRPr kumimoji="1" lang="ja-JP" altLang="en-US" dirty="0"/>
           </a:p>
@@ -3387,11 +4231,9 @@
         <p:nvPicPr>
           <p:cNvPr id="4" name="コンテンツ プレースホルダー 3"/>
           <p:cNvPicPr>
-            <a:picLocks noGrp="1" noChangeAspect="1"/>
+            <a:picLocks noChangeAspect="1"/>
           </p:cNvPicPr>
-          <p:nvPr>
-            <p:ph idx="1"/>
-          </p:nvPr>
+          <p:nvPr/>
         </p:nvPicPr>
         <p:blipFill>
           <a:blip r:embed="rId2" cstate="print">
@@ -3410,6 +4252,9 @@
             <a:off x="7402459" y="3721808"/>
             <a:ext cx="3951341" cy="2326816"/>
           </a:xfrm>
+          <a:prstGeom prst="rect">
+            <a:avLst/>
+          </a:prstGeom>
         </p:spPr>
       </p:pic>
       <p:pic>
@@ -3445,7 +4290,7 @@
     </p:spTree>
     <p:extLst>
       <p:ext uri="{BB962C8B-B14F-4D97-AF65-F5344CB8AC3E}">
-        <p14:creationId xmlns:p14="http://schemas.microsoft.com/office/powerpoint/2010/main" val="1375937222"/>
+        <p14:creationId xmlns:p14="http://schemas.microsoft.com/office/powerpoint/2010/main" val="1950467217"/>
       </p:ext>
     </p:extLst>
   </p:cSld>
@@ -3463,6 +4308,99 @@
 </file>
 
 <file path=ppt/slides/slide3.xml><?xml version="1.0" encoding="utf-8"?>
+<p:sld xmlns:a="http://schemas.openxmlformats.org/drawingml/2006/main" xmlns:r="http://schemas.openxmlformats.org/officeDocument/2006/relationships" xmlns:p="http://schemas.openxmlformats.org/presentationml/2006/main">
+  <p:cSld>
+    <p:spTree>
+      <p:nvGrpSpPr>
+        <p:cNvPr id="1" name=""/>
+        <p:cNvGrpSpPr/>
+        <p:nvPr/>
+      </p:nvGrpSpPr>
+      <p:grpSpPr>
+        <a:xfrm>
+          <a:off x="0" y="0"/>
+          <a:ext cx="0" cy="0"/>
+          <a:chOff x="0" y="0"/>
+          <a:chExt cx="0" cy="0"/>
+        </a:xfrm>
+      </p:grpSpPr>
+      <p:sp>
+        <p:nvSpPr>
+          <p:cNvPr id="2" name="タイトル 1"/>
+          <p:cNvSpPr>
+            <a:spLocks noGrp="1"/>
+          </p:cNvSpPr>
+          <p:nvPr>
+            <p:ph type="title"/>
+          </p:nvPr>
+        </p:nvSpPr>
+        <p:spPr/>
+        <p:txBody>
+          <a:bodyPr/>
+          <a:lstStyle/>
+          <a:p>
+            <a:r>
+              <a:rPr kumimoji="1" lang="ja-JP" altLang="en-US" dirty="0" smtClean="0"/>
+              <a:t>こんなアプリがほしい</a:t>
+            </a:r>
+            <a:endParaRPr kumimoji="1" lang="ja-JP" altLang="en-US" dirty="0"/>
+          </a:p>
+        </p:txBody>
+      </p:sp>
+      <p:sp>
+        <p:nvSpPr>
+          <p:cNvPr id="3" name="コンテンツ プレースホルダー 2"/>
+          <p:cNvSpPr>
+            <a:spLocks noGrp="1"/>
+          </p:cNvSpPr>
+          <p:nvPr>
+            <p:ph idx="1"/>
+          </p:nvPr>
+        </p:nvSpPr>
+        <p:spPr/>
+        <p:txBody>
+          <a:bodyPr/>
+          <a:lstStyle/>
+          <a:p>
+            <a:r>
+              <a:rPr kumimoji="1" lang="ja-JP" altLang="en-US" dirty="0" smtClean="0"/>
+              <a:t>雨が降る前に自転車で帰りたい</a:t>
+            </a:r>
+            <a:endParaRPr kumimoji="1" lang="en-US" altLang="ja-JP" dirty="0" smtClean="0"/>
+          </a:p>
+          <a:p>
+            <a:r>
+              <a:rPr lang="ja-JP" altLang="en-US" dirty="0" smtClean="0"/>
+              <a:t>雨が避けられないなら、代替の交通（電車・バス）を教えてほしい</a:t>
+            </a:r>
+            <a:endParaRPr lang="en-US" altLang="ja-JP" dirty="0" smtClean="0"/>
+          </a:p>
+          <a:p>
+            <a:endParaRPr kumimoji="1" lang="ja-JP" altLang="en-US" dirty="0"/>
+          </a:p>
+        </p:txBody>
+      </p:sp>
+    </p:spTree>
+    <p:extLst>
+      <p:ext uri="{BB962C8B-B14F-4D97-AF65-F5344CB8AC3E}">
+        <p14:creationId xmlns:p14="http://schemas.microsoft.com/office/powerpoint/2010/main" val="1364056947"/>
+      </p:ext>
+    </p:extLst>
+  </p:cSld>
+  <p:clrMapOvr>
+    <a:masterClrMapping/>
+  </p:clrMapOvr>
+  <p:timing>
+    <p:tnLst>
+      <p:par>
+        <p:cTn id="1" dur="indefinite" restart="never" nodeType="tmRoot"/>
+      </p:par>
+    </p:tnLst>
+  </p:timing>
+</p:sld>
+</file>
+
+<file path=ppt/slides/slide4.xml><?xml version="1.0" encoding="utf-8"?>
 <p:sld xmlns:a="http://schemas.openxmlformats.org/drawingml/2006/main" xmlns:r="http://schemas.openxmlformats.org/officeDocument/2006/relationships" xmlns:p="http://schemas.openxmlformats.org/presentationml/2006/main">
   <p:cSld>
     <p:spTree>
@@ -3649,7 +4587,7 @@
 </p:sld>
 </file>
 
-<file path=ppt/slides/slide4.xml><?xml version="1.0" encoding="utf-8"?>
+<file path=ppt/slides/slide5.xml><?xml version="1.0" encoding="utf-8"?>
 <p:sld xmlns:a="http://schemas.openxmlformats.org/drawingml/2006/main" xmlns:r="http://schemas.openxmlformats.org/officeDocument/2006/relationships" xmlns:p="http://schemas.openxmlformats.org/presentationml/2006/main">
   <p:cSld>
     <p:spTree>
@@ -3693,7 +4631,11 @@
             </a:r>
             <a:r>
               <a:rPr kumimoji="1" lang="ja-JP" altLang="en-US" dirty="0" smtClean="0"/>
-              <a:t>場合（バス停近く）</a:t>
+              <a:t>場合</a:t>
+            </a:r>
+            <a:r>
+              <a:rPr kumimoji="1" lang="ja-JP" altLang="en-US" dirty="0" smtClean="0"/>
+              <a:t>（まだ間に合う）</a:t>
             </a:r>
             <a:endParaRPr kumimoji="1" lang="ja-JP" altLang="en-US" dirty="0"/>
           </a:p>
@@ -3788,7 +4730,7 @@
                   <a:schemeClr val="tx1"/>
                 </a:solidFill>
               </a:rPr>
-              <a:t>バスに乗ったほうが良さそうだね。</a:t>
+              <a:t>すぐに帰れば雨が降る前に</a:t>
             </a:r>
             <a:endParaRPr lang="en-US" altLang="ja-JP" dirty="0" smtClean="0">
               <a:solidFill>
@@ -3799,48 +4741,22 @@
           <a:p>
             <a:pPr algn="ctr"/>
             <a:r>
-              <a:rPr kumimoji="1" lang="ja-JP" altLang="en-US" dirty="0" smtClean="0">
+              <a:rPr lang="ja-JP" altLang="en-US" dirty="0" smtClean="0">
                 <a:solidFill>
                   <a:schemeClr val="tx1"/>
                 </a:solidFill>
               </a:rPr>
-              <a:t>バスの時刻表</a:t>
-            </a:r>
-            <a:endParaRPr kumimoji="1" lang="en-US" altLang="ja-JP" dirty="0" smtClean="0">
-              <a:solidFill>
-                <a:schemeClr val="tx1"/>
-              </a:solidFill>
-            </a:endParaRPr>
-          </a:p>
-          <a:p>
-            <a:pPr algn="ctr"/>
-            <a:r>
-              <a:rPr lang="en-US" altLang="ja-JP" dirty="0">
+              <a:t>自転車で帰れるよ</a:t>
+            </a:r>
+            <a:r>
+              <a:rPr lang="ja-JP" altLang="en-US" dirty="0" smtClean="0">
                 <a:solidFill>
                   <a:schemeClr val="tx1"/>
                 </a:solidFill>
-                <a:hlinkClick r:id="rId3"/>
               </a:rPr>
-              <a:t>http://</a:t>
-            </a:r>
-            <a:r>
-              <a:rPr lang="en-US" altLang="ja-JP" dirty="0" smtClean="0">
-                <a:solidFill>
-                  <a:schemeClr val="tx1"/>
-                </a:solidFill>
-                <a:hlinkClick r:id="rId3"/>
-              </a:rPr>
-              <a:t>www.city.uozu.toyama.jp/attach/EDIT/029/029651.pdf</a:t>
+              <a:t>。</a:t>
             </a:r>
             <a:endParaRPr lang="en-US" altLang="ja-JP" dirty="0" smtClean="0">
-              <a:solidFill>
-                <a:schemeClr val="tx1"/>
-              </a:solidFill>
-            </a:endParaRPr>
-          </a:p>
-          <a:p>
-            <a:pPr algn="ctr"/>
-            <a:endParaRPr kumimoji="1" lang="ja-JP" altLang="en-US" dirty="0">
               <a:solidFill>
                 <a:schemeClr val="tx1"/>
               </a:solidFill>
@@ -3857,7 +4773,7 @@
           <p:nvPr/>
         </p:nvPicPr>
         <p:blipFill>
-          <a:blip r:embed="rId4" cstate="print">
+          <a:blip r:embed="rId3" cstate="print">
             <a:extLst>
               <a:ext uri="{28A0092B-C50C-407E-A947-70E740481C1C}">
                 <a14:useLocalDpi xmlns:a14="http://schemas.microsoft.com/office/drawing/2010/main" val="0"/>
@@ -3898,7 +4814,256 @@
 </p:sld>
 </file>
 
-<file path=ppt/slides/slide5.xml><?xml version="1.0" encoding="utf-8"?>
+<file path=ppt/slides/slide6.xml><?xml version="1.0" encoding="utf-8"?>
+<p:sld xmlns:a="http://schemas.openxmlformats.org/drawingml/2006/main" xmlns:r="http://schemas.openxmlformats.org/officeDocument/2006/relationships" xmlns:p="http://schemas.openxmlformats.org/presentationml/2006/main">
+  <p:cSld>
+    <p:spTree>
+      <p:nvGrpSpPr>
+        <p:cNvPr id="1" name=""/>
+        <p:cNvGrpSpPr/>
+        <p:nvPr/>
+      </p:nvGrpSpPr>
+      <p:grpSpPr>
+        <a:xfrm>
+          <a:off x="0" y="0"/>
+          <a:ext cx="0" cy="0"/>
+          <a:chOff x="0" y="0"/>
+          <a:chExt cx="0" cy="0"/>
+        </a:xfrm>
+      </p:grpSpPr>
+      <p:sp>
+        <p:nvSpPr>
+          <p:cNvPr id="2" name="タイトル 1"/>
+          <p:cNvSpPr>
+            <a:spLocks noGrp="1"/>
+          </p:cNvSpPr>
+          <p:nvPr>
+            <p:ph type="title"/>
+          </p:nvPr>
+        </p:nvSpPr>
+        <p:spPr>
+          <a:xfrm>
+            <a:off x="942975" y="0"/>
+            <a:ext cx="10515600" cy="1325563"/>
+          </a:xfrm>
+        </p:spPr>
+        <p:txBody>
+          <a:bodyPr/>
+          <a:lstStyle/>
+          <a:p>
+            <a:pPr algn="ctr"/>
+            <a:r>
+              <a:rPr lang="ja-JP" altLang="en-US" dirty="0" smtClean="0"/>
+              <a:t>予報が雨の</a:t>
+            </a:r>
+            <a:r>
+              <a:rPr kumimoji="1" lang="ja-JP" altLang="en-US" dirty="0" smtClean="0"/>
+              <a:t>場合（バス停近く）</a:t>
+            </a:r>
+            <a:endParaRPr kumimoji="1" lang="ja-JP" altLang="en-US" dirty="0"/>
+          </a:p>
+        </p:txBody>
+      </p:sp>
+      <p:pic>
+        <p:nvPicPr>
+          <p:cNvPr id="4" name="コンテンツ プレースホルダー 3"/>
+          <p:cNvPicPr>
+            <a:picLocks noGrp="1" noChangeAspect="1"/>
+          </p:cNvPicPr>
+          <p:nvPr>
+            <p:ph idx="1"/>
+          </p:nvPr>
+        </p:nvPicPr>
+        <p:blipFill rotWithShape="1">
+          <a:blip r:embed="rId2"/>
+          <a:srcRect l="8422" t="3239"/>
+          <a:stretch/>
+        </p:blipFill>
+        <p:spPr>
+          <a:xfrm>
+            <a:off x="1879389" y="977899"/>
+            <a:ext cx="8642771" cy="5880101"/>
+          </a:xfrm>
+          <a:prstGeom prst="rect">
+            <a:avLst/>
+          </a:prstGeom>
+        </p:spPr>
+      </p:pic>
+      <p:sp>
+        <p:nvSpPr>
+          <p:cNvPr id="6" name="四角形吹き出し 5"/>
+          <p:cNvSpPr/>
+          <p:nvPr/>
+        </p:nvSpPr>
+        <p:spPr>
+          <a:xfrm>
+            <a:off x="5078184" y="4693319"/>
+            <a:ext cx="3695700" cy="1924050"/>
+          </a:xfrm>
+          <a:prstGeom prst="wedgeRectCallout">
+            <a:avLst>
+              <a:gd name="adj1" fmla="val 63517"/>
+              <a:gd name="adj2" fmla="val 37725"/>
+            </a:avLst>
+          </a:prstGeom>
+          <a:solidFill>
+            <a:schemeClr val="bg1"/>
+          </a:solidFill>
+        </p:spPr>
+        <p:style>
+          <a:lnRef idx="2">
+            <a:schemeClr val="accent1">
+              <a:shade val="50000"/>
+            </a:schemeClr>
+          </a:lnRef>
+          <a:fillRef idx="1">
+            <a:schemeClr val="accent1"/>
+          </a:fillRef>
+          <a:effectRef idx="0">
+            <a:schemeClr val="accent1"/>
+          </a:effectRef>
+          <a:fontRef idx="minor">
+            <a:schemeClr val="lt1"/>
+          </a:fontRef>
+        </p:style>
+        <p:txBody>
+          <a:bodyPr rtlCol="0" anchor="ctr"/>
+          <a:lstStyle/>
+          <a:p>
+            <a:pPr algn="ctr"/>
+            <a:r>
+              <a:rPr kumimoji="1" lang="ja-JP" altLang="en-US" dirty="0" smtClean="0">
+                <a:solidFill>
+                  <a:schemeClr val="tx1"/>
+                </a:solidFill>
+              </a:rPr>
+              <a:t>もうすぐ雨が降ってくるよ。</a:t>
+            </a:r>
+            <a:endParaRPr kumimoji="1" lang="en-US" altLang="ja-JP" dirty="0" smtClean="0">
+              <a:solidFill>
+                <a:schemeClr val="tx1"/>
+              </a:solidFill>
+            </a:endParaRPr>
+          </a:p>
+          <a:p>
+            <a:pPr algn="ctr"/>
+            <a:r>
+              <a:rPr lang="ja-JP" altLang="en-US" dirty="0" smtClean="0">
+                <a:solidFill>
+                  <a:schemeClr val="tx1"/>
+                </a:solidFill>
+              </a:rPr>
+              <a:t>バスに乗ったほうが良さそうだね。</a:t>
+            </a:r>
+            <a:endParaRPr lang="en-US" altLang="ja-JP" dirty="0" smtClean="0">
+              <a:solidFill>
+                <a:schemeClr val="tx1"/>
+              </a:solidFill>
+            </a:endParaRPr>
+          </a:p>
+          <a:p>
+            <a:pPr algn="ctr"/>
+            <a:r>
+              <a:rPr kumimoji="1" lang="ja-JP" altLang="en-US" dirty="0" smtClean="0">
+                <a:solidFill>
+                  <a:schemeClr val="tx1"/>
+                </a:solidFill>
+              </a:rPr>
+              <a:t>バスの時刻表</a:t>
+            </a:r>
+            <a:endParaRPr kumimoji="1" lang="en-US" altLang="ja-JP" dirty="0" smtClean="0">
+              <a:solidFill>
+                <a:schemeClr val="tx1"/>
+              </a:solidFill>
+            </a:endParaRPr>
+          </a:p>
+          <a:p>
+            <a:pPr algn="ctr"/>
+            <a:r>
+              <a:rPr lang="en-US" altLang="ja-JP" dirty="0">
+                <a:solidFill>
+                  <a:schemeClr val="tx1"/>
+                </a:solidFill>
+                <a:hlinkClick r:id="rId3"/>
+              </a:rPr>
+              <a:t>http://</a:t>
+            </a:r>
+            <a:r>
+              <a:rPr lang="en-US" altLang="ja-JP" dirty="0" smtClean="0">
+                <a:solidFill>
+                  <a:schemeClr val="tx1"/>
+                </a:solidFill>
+                <a:hlinkClick r:id="rId3"/>
+              </a:rPr>
+              <a:t>www.city.uozu.toyama.jp/attach/EDIT/029/029651.pdf</a:t>
+            </a:r>
+            <a:endParaRPr lang="en-US" altLang="ja-JP" dirty="0" smtClean="0">
+              <a:solidFill>
+                <a:schemeClr val="tx1"/>
+              </a:solidFill>
+            </a:endParaRPr>
+          </a:p>
+          <a:p>
+            <a:pPr algn="ctr"/>
+            <a:endParaRPr kumimoji="1" lang="ja-JP" altLang="en-US" dirty="0">
+              <a:solidFill>
+                <a:schemeClr val="tx1"/>
+              </a:solidFill>
+            </a:endParaRPr>
+          </a:p>
+        </p:txBody>
+      </p:sp>
+      <p:pic>
+        <p:nvPicPr>
+          <p:cNvPr id="7" name="図 6"/>
+          <p:cNvPicPr>
+            <a:picLocks noChangeAspect="1"/>
+          </p:cNvPicPr>
+          <p:nvPr/>
+        </p:nvPicPr>
+        <p:blipFill>
+          <a:blip r:embed="rId4" cstate="print">
+            <a:extLst>
+              <a:ext uri="{28A0092B-C50C-407E-A947-70E740481C1C}">
+                <a14:useLocalDpi xmlns:a14="http://schemas.microsoft.com/office/drawing/2010/main" val="0"/>
+              </a:ext>
+            </a:extLst>
+          </a:blip>
+          <a:stretch>
+            <a:fillRect/>
+          </a:stretch>
+        </p:blipFill>
+        <p:spPr>
+          <a:xfrm>
+            <a:off x="9352188" y="5655344"/>
+            <a:ext cx="963170" cy="1072898"/>
+          </a:xfrm>
+          <a:prstGeom prst="rect">
+            <a:avLst/>
+          </a:prstGeom>
+        </p:spPr>
+      </p:pic>
+    </p:spTree>
+    <p:extLst>
+      <p:ext uri="{BB962C8B-B14F-4D97-AF65-F5344CB8AC3E}">
+        <p14:creationId xmlns:p14="http://schemas.microsoft.com/office/powerpoint/2010/main" val="1980741739"/>
+      </p:ext>
+    </p:extLst>
+  </p:cSld>
+  <p:clrMapOvr>
+    <a:masterClrMapping/>
+  </p:clrMapOvr>
+  <p:timing>
+    <p:tnLst>
+      <p:par>
+        <p:cTn id="1" dur="indefinite" restart="never" nodeType="tmRoot"/>
+      </p:par>
+    </p:tnLst>
+  </p:timing>
+</p:sld>
+</file>
+
+<file path=ppt/slides/slide7.xml><?xml version="1.0" encoding="utf-8"?>
 <p:sld xmlns:a="http://schemas.openxmlformats.org/drawingml/2006/main" xmlns:r="http://schemas.openxmlformats.org/officeDocument/2006/relationships" xmlns:p="http://schemas.openxmlformats.org/presentationml/2006/main">
   <p:cSld>
     <p:spTree>
@@ -4185,7 +5350,7 @@
 </p:sld>
 </file>
 
-<file path=ppt/slides/slide6.xml><?xml version="1.0" encoding="utf-8"?>
+<file path=ppt/slides/slide8.xml><?xml version="1.0" encoding="utf-8"?>
 <p:sld xmlns:a="http://schemas.openxmlformats.org/drawingml/2006/main" xmlns:r="http://schemas.openxmlformats.org/officeDocument/2006/relationships" xmlns:p="http://schemas.openxmlformats.org/presentationml/2006/main">
   <p:cSld>
     <p:spTree>
@@ -4512,7 +5677,7 @@
 </p:sld>
 </file>
 
-<file path=ppt/slides/slide7.xml><?xml version="1.0" encoding="utf-8"?>
+<file path=ppt/slides/slide9.xml><?xml version="1.0" encoding="utf-8"?>
 <p:sld xmlns:a="http://schemas.openxmlformats.org/drawingml/2006/main" xmlns:r="http://schemas.openxmlformats.org/officeDocument/2006/relationships" xmlns:p="http://schemas.openxmlformats.org/presentationml/2006/main">
   <p:cSld>
     <p:spTree>
@@ -4651,15 +5816,7 @@
                   <a:schemeClr val="tx1"/>
                 </a:solidFill>
               </a:rPr>
-              <a:t>一時間後</a:t>
-            </a:r>
-            <a:r>
-              <a:rPr kumimoji="1" lang="ja-JP" altLang="en-US" dirty="0" smtClean="0">
-                <a:solidFill>
-                  <a:schemeClr val="tx1"/>
-                </a:solidFill>
-              </a:rPr>
-              <a:t>には晴れるから</a:t>
+              <a:t>一時間後には晴れるから</a:t>
             </a:r>
             <a:endParaRPr kumimoji="1" lang="en-US" altLang="ja-JP" dirty="0" smtClean="0">
               <a:solidFill>
@@ -5095,4 +6252,265 @@
     </a:ext>
   </a:extLst>
 </a:theme>
+</file>
+
+<file path=ppt/theme/theme2.xml><?xml version="1.0" encoding="utf-8"?>
+<a:theme xmlns:a="http://schemas.openxmlformats.org/drawingml/2006/main" name="ホワイト">
+  <a:themeElements>
+    <a:clrScheme name="Office">
+      <a:dk1>
+        <a:sysClr val="windowText" lastClr="000000"/>
+      </a:dk1>
+      <a:lt1>
+        <a:sysClr val="window" lastClr="FFFFFF"/>
+      </a:lt1>
+      <a:dk2>
+        <a:srgbClr val="44546A"/>
+      </a:dk2>
+      <a:lt2>
+        <a:srgbClr val="E7E6E6"/>
+      </a:lt2>
+      <a:accent1>
+        <a:srgbClr val="4472C4"/>
+      </a:accent1>
+      <a:accent2>
+        <a:srgbClr val="ED7D31"/>
+      </a:accent2>
+      <a:accent3>
+        <a:srgbClr val="A5A5A5"/>
+      </a:accent3>
+      <a:accent4>
+        <a:srgbClr val="FFC000"/>
+      </a:accent4>
+      <a:accent5>
+        <a:srgbClr val="5B9BD5"/>
+      </a:accent5>
+      <a:accent6>
+        <a:srgbClr val="70AD47"/>
+      </a:accent6>
+      <a:hlink>
+        <a:srgbClr val="0563C1"/>
+      </a:hlink>
+      <a:folHlink>
+        <a:srgbClr val="954F72"/>
+      </a:folHlink>
+    </a:clrScheme>
+    <a:fontScheme name="Office">
+      <a:majorFont>
+        <a:latin typeface="Yu Gothic Light" panose="020F0302020204030204"/>
+        <a:ea typeface=""/>
+        <a:cs typeface=""/>
+        <a:font script="Jpan" typeface="Yu Gothic Light"/>
+        <a:font script="Hang" typeface="맑은 고딕"/>
+        <a:font script="Hans" typeface="DengXian Light"/>
+        <a:font script="Hant" typeface="新細明體"/>
+        <a:font script="Arab" typeface="Times New Roman"/>
+        <a:font script="Hebr" typeface="Times New Roman"/>
+        <a:font script="Thai" typeface="Angsana New"/>
+        <a:font script="Ethi" typeface="Nyala"/>
+        <a:font script="Beng" typeface="Vrinda"/>
+        <a:font script="Gujr" typeface="Shruti"/>
+        <a:font script="Khmr" typeface="MoolBoran"/>
+        <a:font script="Knda" typeface="Tunga"/>
+        <a:font script="Guru" typeface="Raavi"/>
+        <a:font script="Cans" typeface="Euphemia"/>
+        <a:font script="Cher" typeface="Plantagenet Cherokee"/>
+        <a:font script="Yiii" typeface="Microsoft Yi Baiti"/>
+        <a:font script="Tibt" typeface="Microsoft Himalaya"/>
+        <a:font script="Thaa" typeface="MV Boli"/>
+        <a:font script="Deva" typeface="Mangal"/>
+        <a:font script="Telu" typeface="Gautami"/>
+        <a:font script="Taml" typeface="Latha"/>
+        <a:font script="Syrc" typeface="Estrangelo Edessa"/>
+        <a:font script="Orya" typeface="Kalinga"/>
+        <a:font script="Mlym" typeface="Kartika"/>
+        <a:font script="Laoo" typeface="DokChampa"/>
+        <a:font script="Sinh" typeface="Iskoola Pota"/>
+        <a:font script="Mong" typeface="Mongolian Baiti"/>
+        <a:font script="Viet" typeface="Times New Roman"/>
+        <a:font script="Uigh" typeface="Microsoft Uighur"/>
+        <a:font script="Geor" typeface="Sylfaen"/>
+      </a:majorFont>
+      <a:minorFont>
+        <a:latin typeface="Yu Gothic" panose="020F0502020204030204"/>
+        <a:ea typeface=""/>
+        <a:cs typeface=""/>
+        <a:font script="Jpan" typeface="Yu Gothic"/>
+        <a:font script="Hang" typeface="맑은 고딕"/>
+        <a:font script="Hans" typeface="DengXian"/>
+        <a:font script="Hant" typeface="新細明體"/>
+        <a:font script="Arab" typeface="Arial"/>
+        <a:font script="Hebr" typeface="Arial"/>
+        <a:font script="Thai" typeface="Cordia New"/>
+        <a:font script="Ethi" typeface="Nyala"/>
+        <a:font script="Beng" typeface="Vrinda"/>
+        <a:font script="Gujr" typeface="Shruti"/>
+        <a:font script="Khmr" typeface="DaunPenh"/>
+        <a:font script="Knda" typeface="Tunga"/>
+        <a:font script="Guru" typeface="Raavi"/>
+        <a:font script="Cans" typeface="Euphemia"/>
+        <a:font script="Cher" typeface="Plantagenet Cherokee"/>
+        <a:font script="Yiii" typeface="Microsoft Yi Baiti"/>
+        <a:font script="Tibt" typeface="Microsoft Himalaya"/>
+        <a:font script="Thaa" typeface="MV Boli"/>
+        <a:font script="Deva" typeface="Mangal"/>
+        <a:font script="Telu" typeface="Gautami"/>
+        <a:font script="Taml" typeface="Latha"/>
+        <a:font script="Syrc" typeface="Estrangelo Edessa"/>
+        <a:font script="Orya" typeface="Kalinga"/>
+        <a:font script="Mlym" typeface="Kartika"/>
+        <a:font script="Laoo" typeface="DokChampa"/>
+        <a:font script="Sinh" typeface="Iskoola Pota"/>
+        <a:font script="Mong" typeface="Mongolian Baiti"/>
+        <a:font script="Viet" typeface="Arial"/>
+        <a:font script="Uigh" typeface="Microsoft Uighur"/>
+        <a:font script="Geor" typeface="Sylfaen"/>
+      </a:minorFont>
+    </a:fontScheme>
+    <a:fmtScheme name="Office">
+      <a:fillStyleLst>
+        <a:solidFill>
+          <a:schemeClr val="phClr"/>
+        </a:solidFill>
+        <a:gradFill rotWithShape="1">
+          <a:gsLst>
+            <a:gs pos="0">
+              <a:schemeClr val="phClr">
+                <a:lumMod val="110000"/>
+                <a:satMod val="105000"/>
+                <a:tint val="67000"/>
+              </a:schemeClr>
+            </a:gs>
+            <a:gs pos="50000">
+              <a:schemeClr val="phClr">
+                <a:lumMod val="105000"/>
+                <a:satMod val="103000"/>
+                <a:tint val="73000"/>
+              </a:schemeClr>
+            </a:gs>
+            <a:gs pos="100000">
+              <a:schemeClr val="phClr">
+                <a:lumMod val="105000"/>
+                <a:satMod val="109000"/>
+                <a:tint val="81000"/>
+              </a:schemeClr>
+            </a:gs>
+          </a:gsLst>
+          <a:lin ang="5400000" scaled="0"/>
+        </a:gradFill>
+        <a:gradFill rotWithShape="1">
+          <a:gsLst>
+            <a:gs pos="0">
+              <a:schemeClr val="phClr">
+                <a:satMod val="103000"/>
+                <a:lumMod val="102000"/>
+                <a:tint val="94000"/>
+              </a:schemeClr>
+            </a:gs>
+            <a:gs pos="50000">
+              <a:schemeClr val="phClr">
+                <a:satMod val="110000"/>
+                <a:lumMod val="100000"/>
+                <a:shade val="100000"/>
+              </a:schemeClr>
+            </a:gs>
+            <a:gs pos="100000">
+              <a:schemeClr val="phClr">
+                <a:lumMod val="99000"/>
+                <a:satMod val="120000"/>
+                <a:shade val="78000"/>
+              </a:schemeClr>
+            </a:gs>
+          </a:gsLst>
+          <a:lin ang="5400000" scaled="0"/>
+        </a:gradFill>
+      </a:fillStyleLst>
+      <a:lnStyleLst>
+        <a:ln w="6350" cap="flat" cmpd="sng" algn="ctr">
+          <a:solidFill>
+            <a:schemeClr val="phClr"/>
+          </a:solidFill>
+          <a:prstDash val="solid"/>
+          <a:miter lim="800000"/>
+        </a:ln>
+        <a:ln w="12700" cap="flat" cmpd="sng" algn="ctr">
+          <a:solidFill>
+            <a:schemeClr val="phClr"/>
+          </a:solidFill>
+          <a:prstDash val="solid"/>
+          <a:miter lim="800000"/>
+        </a:ln>
+        <a:ln w="19050" cap="flat" cmpd="sng" algn="ctr">
+          <a:solidFill>
+            <a:schemeClr val="phClr"/>
+          </a:solidFill>
+          <a:prstDash val="solid"/>
+          <a:miter lim="800000"/>
+        </a:ln>
+      </a:lnStyleLst>
+      <a:effectStyleLst>
+        <a:effectStyle>
+          <a:effectLst/>
+        </a:effectStyle>
+        <a:effectStyle>
+          <a:effectLst/>
+        </a:effectStyle>
+        <a:effectStyle>
+          <a:effectLst>
+            <a:outerShdw blurRad="57150" dist="19050" dir="5400000" algn="ctr" rotWithShape="0">
+              <a:srgbClr val="000000">
+                <a:alpha val="63000"/>
+              </a:srgbClr>
+            </a:outerShdw>
+          </a:effectLst>
+        </a:effectStyle>
+      </a:effectStyleLst>
+      <a:bgFillStyleLst>
+        <a:solidFill>
+          <a:schemeClr val="phClr"/>
+        </a:solidFill>
+        <a:solidFill>
+          <a:schemeClr val="phClr">
+            <a:tint val="95000"/>
+            <a:satMod val="170000"/>
+          </a:schemeClr>
+        </a:solidFill>
+        <a:gradFill rotWithShape="1">
+          <a:gsLst>
+            <a:gs pos="0">
+              <a:schemeClr val="phClr">
+                <a:tint val="93000"/>
+                <a:satMod val="150000"/>
+                <a:shade val="98000"/>
+                <a:lumMod val="102000"/>
+              </a:schemeClr>
+            </a:gs>
+            <a:gs pos="50000">
+              <a:schemeClr val="phClr">
+                <a:tint val="98000"/>
+                <a:satMod val="130000"/>
+                <a:shade val="90000"/>
+                <a:lumMod val="103000"/>
+              </a:schemeClr>
+            </a:gs>
+            <a:gs pos="100000">
+              <a:schemeClr val="phClr">
+                <a:shade val="63000"/>
+                <a:satMod val="120000"/>
+              </a:schemeClr>
+            </a:gs>
+          </a:gsLst>
+          <a:lin ang="5400000" scaled="0"/>
+        </a:gradFill>
+      </a:bgFillStyleLst>
+    </a:fmtScheme>
+  </a:themeElements>
+  <a:objectDefaults/>
+  <a:extraClrSchemeLst/>
+  <a:extLst>
+    <a:ext uri="{05A4C25C-085E-4340-85A3-A5531E510DB2}">
+      <thm15:themeFamily xmlns:thm15="http://schemas.microsoft.com/office/thememl/2012/main" name="Office Theme" id="{62F939B6-93AF-4DB8-9C6B-D6C7DFDC589F}" vid="{4A3C46E8-61CC-4603-A589-7422A47A8E4A}"/>
+    </a:ext>
+  </a:extLst>
+</a:theme>
 </file>